--- a/docs/deployment-diagram.pptx
+++ b/docs/deployment-diagram.pptx
@@ -107,6 +107,11 @@
       </a:defRPr>
     </a:lvl9pPr>
   </p:defaultTextStyle>
+  <p:extLst>
+    <p:ext uri="{EFAFB233-063F-42B5-8137-9DF3F51BA10A}">
+      <p15:sldGuideLst xmlns:p15="http://schemas.microsoft.com/office/powerpoint/2012/main"/>
+    </p:ext>
+  </p:extLst>
 </p:presentation>
 </file>
 
@@ -192,7 +197,7 @@
           <a:p>
             <a:fld id="{4E994271-EAA8-4315-97AD-B2E6708F23F4}" type="datetimeFigureOut">
               <a:rPr lang="nl-NL" smtClean="0"/>
-              <a:t>2-6-2025</a:t>
+              <a:t>26-6-2025</a:t>
             </a:fld>
             <a:endParaRPr lang="nl-NL"/>
           </a:p>
@@ -693,7 +698,7 @@
           <a:p>
             <a:fld id="{F1272145-9614-45A9-A722-AF6D7E9F7B51}" type="datetimeFigureOut">
               <a:rPr lang="nl-NL" smtClean="0"/>
-              <a:t>2-6-2025</a:t>
+              <a:t>26-6-2025</a:t>
             </a:fld>
             <a:endParaRPr lang="nl-NL"/>
           </a:p>
@@ -893,7 +898,7 @@
           <a:p>
             <a:fld id="{F1272145-9614-45A9-A722-AF6D7E9F7B51}" type="datetimeFigureOut">
               <a:rPr lang="nl-NL" smtClean="0"/>
-              <a:t>2-6-2025</a:t>
+              <a:t>26-6-2025</a:t>
             </a:fld>
             <a:endParaRPr lang="nl-NL"/>
           </a:p>
@@ -1103,7 +1108,7 @@
           <a:p>
             <a:fld id="{F1272145-9614-45A9-A722-AF6D7E9F7B51}" type="datetimeFigureOut">
               <a:rPr lang="nl-NL" smtClean="0"/>
-              <a:t>2-6-2025</a:t>
+              <a:t>26-6-2025</a:t>
             </a:fld>
             <a:endParaRPr lang="nl-NL"/>
           </a:p>
@@ -1303,7 +1308,7 @@
           <a:p>
             <a:fld id="{F1272145-9614-45A9-A722-AF6D7E9F7B51}" type="datetimeFigureOut">
               <a:rPr lang="nl-NL" smtClean="0"/>
-              <a:t>2-6-2025</a:t>
+              <a:t>26-6-2025</a:t>
             </a:fld>
             <a:endParaRPr lang="nl-NL"/>
           </a:p>
@@ -1579,7 +1584,7 @@
           <a:p>
             <a:fld id="{F1272145-9614-45A9-A722-AF6D7E9F7B51}" type="datetimeFigureOut">
               <a:rPr lang="nl-NL" smtClean="0"/>
-              <a:t>2-6-2025</a:t>
+              <a:t>26-6-2025</a:t>
             </a:fld>
             <a:endParaRPr lang="nl-NL"/>
           </a:p>
@@ -1847,7 +1852,7 @@
           <a:p>
             <a:fld id="{F1272145-9614-45A9-A722-AF6D7E9F7B51}" type="datetimeFigureOut">
               <a:rPr lang="nl-NL" smtClean="0"/>
-              <a:t>2-6-2025</a:t>
+              <a:t>26-6-2025</a:t>
             </a:fld>
             <a:endParaRPr lang="nl-NL"/>
           </a:p>
@@ -2262,7 +2267,7 @@
           <a:p>
             <a:fld id="{F1272145-9614-45A9-A722-AF6D7E9F7B51}" type="datetimeFigureOut">
               <a:rPr lang="nl-NL" smtClean="0"/>
-              <a:t>2-6-2025</a:t>
+              <a:t>26-6-2025</a:t>
             </a:fld>
             <a:endParaRPr lang="nl-NL"/>
           </a:p>
@@ -2404,7 +2409,7 @@
           <a:p>
             <a:fld id="{F1272145-9614-45A9-A722-AF6D7E9F7B51}" type="datetimeFigureOut">
               <a:rPr lang="nl-NL" smtClean="0"/>
-              <a:t>2-6-2025</a:t>
+              <a:t>26-6-2025</a:t>
             </a:fld>
             <a:endParaRPr lang="nl-NL"/>
           </a:p>
@@ -2517,7 +2522,7 @@
           <a:p>
             <a:fld id="{F1272145-9614-45A9-A722-AF6D7E9F7B51}" type="datetimeFigureOut">
               <a:rPr lang="nl-NL" smtClean="0"/>
-              <a:t>2-6-2025</a:t>
+              <a:t>26-6-2025</a:t>
             </a:fld>
             <a:endParaRPr lang="nl-NL"/>
           </a:p>
@@ -2830,7 +2835,7 @@
           <a:p>
             <a:fld id="{F1272145-9614-45A9-A722-AF6D7E9F7B51}" type="datetimeFigureOut">
               <a:rPr lang="nl-NL" smtClean="0"/>
-              <a:t>2-6-2025</a:t>
+              <a:t>26-6-2025</a:t>
             </a:fld>
             <a:endParaRPr lang="nl-NL"/>
           </a:p>
@@ -3119,7 +3124,7 @@
           <a:p>
             <a:fld id="{F1272145-9614-45A9-A722-AF6D7E9F7B51}" type="datetimeFigureOut">
               <a:rPr lang="nl-NL" smtClean="0"/>
-              <a:t>2-6-2025</a:t>
+              <a:t>26-6-2025</a:t>
             </a:fld>
             <a:endParaRPr lang="nl-NL"/>
           </a:p>
@@ -3362,7 +3367,7 @@
           <a:p>
             <a:fld id="{F1272145-9614-45A9-A722-AF6D7E9F7B51}" type="datetimeFigureOut">
               <a:rPr lang="nl-NL" smtClean="0"/>
-              <a:t>2-6-2025</a:t>
+              <a:t>26-6-2025</a:t>
             </a:fld>
             <a:endParaRPr lang="nl-NL"/>
           </a:p>
@@ -4918,7 +4923,7 @@
                 <a:latin typeface="Courier New" panose="02070309020205020404" pitchFamily="49" charset="0"/>
                 <a:cs typeface="Courier New" panose="02070309020205020404" pitchFamily="49" charset="0"/>
               </a:rPr>
-              <a:t>v0.2.0</a:t>
+              <a:t>v1.1.0</a:t>
             </a:r>
             <a:endParaRPr lang="nl-NL" sz="1000" dirty="0">
               <a:latin typeface="Courier New" panose="02070309020205020404" pitchFamily="49" charset="0"/>
@@ -5108,7 +5113,7 @@
         <p:spPr>
           <a:xfrm>
             <a:off x="4633799" y="5116313"/>
-            <a:ext cx="1555531" cy="246221"/>
+            <a:ext cx="1759893" cy="246221"/>
           </a:xfrm>
           <a:prstGeom prst="rect">
             <a:avLst/>
@@ -5125,14 +5130,14 @@
               <a:rPr lang="en-GB" sz="1000" dirty="0">
                 <a:cs typeface="Courier New" panose="02070309020205020404" pitchFamily="49" charset="0"/>
               </a:rPr>
-              <a:t> Image:         </a:t>
+              <a:t> Image:        </a:t>
             </a:r>
             <a:r>
               <a:rPr lang="en-GB" sz="1000" dirty="0">
                 <a:latin typeface="Courier New" panose="02070309020205020404" pitchFamily="49" charset="0"/>
                 <a:cs typeface="Courier New" panose="02070309020205020404" pitchFamily="49" charset="0"/>
               </a:rPr>
-              <a:t>v0.2.1</a:t>
+              <a:t>v1.2.0-exp</a:t>
             </a:r>
             <a:endParaRPr lang="nl-NL" sz="1000" dirty="0">
               <a:latin typeface="Courier New" panose="02070309020205020404" pitchFamily="49" charset="0"/>
@@ -5747,7 +5752,7 @@
                 <a:latin typeface="Courier New" panose="02070309020205020404" pitchFamily="49" charset="0"/>
                 <a:cs typeface="Courier New" panose="02070309020205020404" pitchFamily="49" charset="0"/>
               </a:rPr>
-              <a:t>v0.1.3</a:t>
+              <a:t>v0.3.0</a:t>
             </a:r>
             <a:endParaRPr lang="nl-NL" sz="1000" dirty="0">
               <a:latin typeface="Courier New" panose="02070309020205020404" pitchFamily="49" charset="0"/>
@@ -5954,14 +5959,20 @@
               <a:rPr lang="en-GB" sz="1000" dirty="0">
                 <a:cs typeface="Courier New" panose="02070309020205020404" pitchFamily="49" charset="0"/>
               </a:rPr>
-              <a:t> Image:         </a:t>
-            </a:r>
-            <a:r>
-              <a:rPr lang="en-GB" sz="1000" dirty="0">
+              <a:t> Image</a:t>
+            </a:r>
+            <a:r>
+              <a:rPr lang="en-GB" sz="1000">
+                <a:cs typeface="Courier New" panose="02070309020205020404" pitchFamily="49" charset="0"/>
+              </a:rPr>
+              <a:t>:         </a:t>
+            </a:r>
+            <a:r>
+              <a:rPr lang="en-GB" sz="1000">
                 <a:latin typeface="Courier New" panose="02070309020205020404" pitchFamily="49" charset="0"/>
                 <a:cs typeface="Courier New" panose="02070309020205020404" pitchFamily="49" charset="0"/>
               </a:rPr>
-              <a:t>v0.1.4</a:t>
+              <a:t>v0.3.0</a:t>
             </a:r>
             <a:endParaRPr lang="nl-NL" sz="1000" dirty="0">
               <a:latin typeface="Courier New" panose="02070309020205020404" pitchFamily="49" charset="0"/>
